--- a/Clase 6 - PCA/Presentacion/Tarea 6 - presentacion.pptx
+++ b/Clase 6 - PCA/Presentacion/Tarea 6 - presentacion.pptx
@@ -117,7 +117,7 @@
 <file path=ppt/revisionInfo.xml><?xml version="1.0" encoding="utf-8"?>
 <p1510:revInfo xmlns:a="http://schemas.openxmlformats.org/drawingml/2006/main" xmlns:r="http://schemas.openxmlformats.org/officeDocument/2006/relationships" xmlns:p1510="http://schemas.microsoft.com/office/powerpoint/2015/10/main">
   <p1510:revLst>
-    <p1510:client id="{A912C343-BFAF-4077-AEE6-B19DD2AC4427}" v="12" dt="2022-06-04T21:12:35.535"/>
+    <p1510:client id="{B2DF25B6-881F-46A4-B411-FD6368BFF603}" v="1" dt="2022-06-06T16:10:02.142"/>
   </p1510:revLst>
 </p1510:revInfo>
 </file>
@@ -206,6 +206,109 @@
           <pc:docMk/>
           <pc:sldMk cId="1338791259" sldId="358"/>
         </pc:sldMkLst>
+      </pc:sldChg>
+    </pc:docChg>
+  </pc:docChgLst>
+  <pc:docChgLst>
+    <pc:chgData name="Diego Ernesto Herrera Malambo" userId="2e36c885-d5ae-492a-8e9c-26fc69fcd962" providerId="ADAL" clId="{B2DF25B6-881F-46A4-B411-FD6368BFF603}"/>
+    <pc:docChg chg="undo custSel modSld">
+      <pc:chgData name="Diego Ernesto Herrera Malambo" userId="2e36c885-d5ae-492a-8e9c-26fc69fcd962" providerId="ADAL" clId="{B2DF25B6-881F-46A4-B411-FD6368BFF603}" dt="2022-06-06T16:41:18.982" v="2016" actId="1076"/>
+      <pc:docMkLst>
+        <pc:docMk/>
+      </pc:docMkLst>
+      <pc:sldChg chg="addSp delSp modSp mod">
+        <pc:chgData name="Diego Ernesto Herrera Malambo" userId="2e36c885-d5ae-492a-8e9c-26fc69fcd962" providerId="ADAL" clId="{B2DF25B6-881F-46A4-B411-FD6368BFF603}" dt="2022-06-06T16:28:05.502" v="883" actId="313"/>
+        <pc:sldMkLst>
+          <pc:docMk/>
+          <pc:sldMk cId="3781593504" sldId="355"/>
+        </pc:sldMkLst>
+        <pc:spChg chg="mod">
+          <ac:chgData name="Diego Ernesto Herrera Malambo" userId="2e36c885-d5ae-492a-8e9c-26fc69fcd962" providerId="ADAL" clId="{B2DF25B6-881F-46A4-B411-FD6368BFF603}" dt="2022-06-06T16:28:05.502" v="883" actId="313"/>
+          <ac:spMkLst>
+            <pc:docMk/>
+            <pc:sldMk cId="3781593504" sldId="355"/>
+            <ac:spMk id="5" creationId="{C54765C7-57E2-96CA-03AE-65D25C6BAD2A}"/>
+          </ac:spMkLst>
+        </pc:spChg>
+        <pc:spChg chg="mod">
+          <ac:chgData name="Diego Ernesto Herrera Malambo" userId="2e36c885-d5ae-492a-8e9c-26fc69fcd962" providerId="ADAL" clId="{B2DF25B6-881F-46A4-B411-FD6368BFF603}" dt="2022-06-06T16:27:58.571" v="881" actId="14100"/>
+          <ac:spMkLst>
+            <pc:docMk/>
+            <pc:sldMk cId="3781593504" sldId="355"/>
+            <ac:spMk id="6" creationId="{CD3435CB-4537-4F1F-A11E-27DE31650A8C}"/>
+          </ac:spMkLst>
+        </pc:spChg>
+        <pc:spChg chg="del">
+          <ac:chgData name="Diego Ernesto Herrera Malambo" userId="2e36c885-d5ae-492a-8e9c-26fc69fcd962" providerId="ADAL" clId="{B2DF25B6-881F-46A4-B411-FD6368BFF603}" dt="2022-06-06T16:15:38.416" v="388" actId="478"/>
+          <ac:spMkLst>
+            <pc:docMk/>
+            <pc:sldMk cId="3781593504" sldId="355"/>
+            <ac:spMk id="8" creationId="{98194EB5-4CC2-134E-A928-463B8004629B}"/>
+          </ac:spMkLst>
+        </pc:spChg>
+        <pc:picChg chg="mod">
+          <ac:chgData name="Diego Ernesto Herrera Malambo" userId="2e36c885-d5ae-492a-8e9c-26fc69fcd962" providerId="ADAL" clId="{B2DF25B6-881F-46A4-B411-FD6368BFF603}" dt="2022-06-06T16:24:56.008" v="426" actId="14100"/>
+          <ac:picMkLst>
+            <pc:docMk/>
+            <pc:sldMk cId="3781593504" sldId="355"/>
+            <ac:picMk id="3" creationId="{A291D751-9CAC-C815-D151-A1AFE9F814AE}"/>
+          </ac:picMkLst>
+        </pc:picChg>
+        <pc:picChg chg="add mod">
+          <ac:chgData name="Diego Ernesto Herrera Malambo" userId="2e36c885-d5ae-492a-8e9c-26fc69fcd962" providerId="ADAL" clId="{B2DF25B6-881F-46A4-B411-FD6368BFF603}" dt="2022-06-06T16:24:42.556" v="423" actId="1076"/>
+          <ac:picMkLst>
+            <pc:docMk/>
+            <pc:sldMk cId="3781593504" sldId="355"/>
+            <ac:picMk id="7" creationId="{6595E541-0EA3-6C57-DF3C-0E6E3649A549}"/>
+          </ac:picMkLst>
+        </pc:picChg>
+      </pc:sldChg>
+      <pc:sldChg chg="addSp delSp modSp mod">
+        <pc:chgData name="Diego Ernesto Herrera Malambo" userId="2e36c885-d5ae-492a-8e9c-26fc69fcd962" providerId="ADAL" clId="{B2DF25B6-881F-46A4-B411-FD6368BFF603}" dt="2022-06-06T16:41:18.982" v="2016" actId="1076"/>
+        <pc:sldMkLst>
+          <pc:docMk/>
+          <pc:sldMk cId="1215670015" sldId="356"/>
+        </pc:sldMkLst>
+        <pc:spChg chg="add del mod">
+          <ac:chgData name="Diego Ernesto Herrera Malambo" userId="2e36c885-d5ae-492a-8e9c-26fc69fcd962" providerId="ADAL" clId="{B2DF25B6-881F-46A4-B411-FD6368BFF603}" dt="2022-06-06T16:37:33.396" v="1798" actId="478"/>
+          <ac:spMkLst>
+            <pc:docMk/>
+            <pc:sldMk cId="1215670015" sldId="356"/>
+            <ac:spMk id="3" creationId="{A894DFB9-DA53-1EA5-F8B3-8BC9CDA8BA3E}"/>
+          </ac:spMkLst>
+        </pc:spChg>
+        <pc:spChg chg="del mod">
+          <ac:chgData name="Diego Ernesto Herrera Malambo" userId="2e36c885-d5ae-492a-8e9c-26fc69fcd962" providerId="ADAL" clId="{B2DF25B6-881F-46A4-B411-FD6368BFF603}" dt="2022-06-06T16:37:31.510" v="1797" actId="478"/>
+          <ac:spMkLst>
+            <pc:docMk/>
+            <pc:sldMk cId="1215670015" sldId="356"/>
+            <ac:spMk id="6" creationId="{CD3435CB-4537-4F1F-A11E-27DE31650A8C}"/>
+          </ac:spMkLst>
+        </pc:spChg>
+        <pc:spChg chg="mod ord">
+          <ac:chgData name="Diego Ernesto Herrera Malambo" userId="2e36c885-d5ae-492a-8e9c-26fc69fcd962" providerId="ADAL" clId="{B2DF25B6-881F-46A4-B411-FD6368BFF603}" dt="2022-06-06T16:41:02.905" v="2012" actId="6549"/>
+          <ac:spMkLst>
+            <pc:docMk/>
+            <pc:sldMk cId="1215670015" sldId="356"/>
+            <ac:spMk id="10" creationId="{435643C2-0E51-38DF-F2BF-ADEC4A246F1C}"/>
+          </ac:spMkLst>
+        </pc:spChg>
+        <pc:picChg chg="mod">
+          <ac:chgData name="Diego Ernesto Herrera Malambo" userId="2e36c885-d5ae-492a-8e9c-26fc69fcd962" providerId="ADAL" clId="{B2DF25B6-881F-46A4-B411-FD6368BFF603}" dt="2022-06-06T16:41:18.982" v="2016" actId="1076"/>
+          <ac:picMkLst>
+            <pc:docMk/>
+            <pc:sldMk cId="1215670015" sldId="356"/>
+            <ac:picMk id="5" creationId="{F46A4D53-B78E-0B2E-DC3B-45B563C61ABA}"/>
+          </ac:picMkLst>
+        </pc:picChg>
+        <pc:picChg chg="mod">
+          <ac:chgData name="Diego Ernesto Herrera Malambo" userId="2e36c885-d5ae-492a-8e9c-26fc69fcd962" providerId="ADAL" clId="{B2DF25B6-881F-46A4-B411-FD6368BFF603}" dt="2022-06-06T16:41:07.572" v="2013" actId="1076"/>
+          <ac:picMkLst>
+            <pc:docMk/>
+            <pc:sldMk cId="1215670015" sldId="356"/>
+            <ac:picMk id="9" creationId="{AB4C3B2B-8EBE-2DBB-ED3D-E2FC1001D675}"/>
+          </ac:picMkLst>
+        </pc:picChg>
       </pc:sldChg>
     </pc:docChg>
   </pc:docChgLst>
@@ -976,7 +1079,7 @@
           <a:p>
             <a:fld id="{75A614D3-0F9F-49FB-8D90-F99652E4804C}" type="datetimeFigureOut">
               <a:rPr lang="es-CO" smtClean="0"/>
-              <a:t>4/06/2022</a:t>
+              <a:t>6/06/2022</a:t>
             </a:fld>
             <a:endParaRPr lang="es-CO"/>
           </a:p>
@@ -1223,7 +1326,7 @@
           <a:p>
             <a:fld id="{5E4A63F0-AC00-ED4B-BFF3-9E4584FF0F96}" type="datetimeFigureOut">
               <a:rPr lang="en-CO" smtClean="0"/>
-              <a:t>06/04/2022</a:t>
+              <a:t>06/06/2022</a:t>
             </a:fld>
             <a:endParaRPr lang="en-CO"/>
           </a:p>
@@ -1403,7 +1506,7 @@
           <a:p>
             <a:fld id="{5E4A63F0-AC00-ED4B-BFF3-9E4584FF0F96}" type="datetimeFigureOut">
               <a:rPr lang="en-CO" smtClean="0"/>
-              <a:t>06/04/2022</a:t>
+              <a:t>06/06/2022</a:t>
             </a:fld>
             <a:endParaRPr lang="en-CO"/>
           </a:p>
@@ -1642,7 +1745,7 @@
           <a:p>
             <a:fld id="{75A614D3-0F9F-49FB-8D90-F99652E4804C}" type="datetimeFigureOut">
               <a:rPr lang="es-CO" smtClean="0"/>
-              <a:t>4/06/2022</a:t>
+              <a:t>6/06/2022</a:t>
             </a:fld>
             <a:endParaRPr lang="es-CO"/>
           </a:p>
@@ -1857,7 +1960,7 @@
           <a:p>
             <a:fld id="{5E4A63F0-AC00-ED4B-BFF3-9E4584FF0F96}" type="datetimeFigureOut">
               <a:rPr lang="en-CO" smtClean="0"/>
-              <a:t>06/04/2022</a:t>
+              <a:t>06/06/2022</a:t>
             </a:fld>
             <a:endParaRPr lang="en-CO"/>
           </a:p>
@@ -2103,7 +2206,7 @@
           <a:p>
             <a:fld id="{5E4A63F0-AC00-ED4B-BFF3-9E4584FF0F96}" type="datetimeFigureOut">
               <a:rPr lang="en-CO" smtClean="0"/>
-              <a:t>06/04/2022</a:t>
+              <a:t>06/06/2022</a:t>
             </a:fld>
             <a:endParaRPr lang="en-CO"/>
           </a:p>
@@ -2335,7 +2438,7 @@
           <a:p>
             <a:fld id="{5E4A63F0-AC00-ED4B-BFF3-9E4584FF0F96}" type="datetimeFigureOut">
               <a:rPr lang="en-CO" smtClean="0"/>
-              <a:t>06/04/2022</a:t>
+              <a:t>06/06/2022</a:t>
             </a:fld>
             <a:endParaRPr lang="en-CO"/>
           </a:p>
@@ -2702,7 +2805,7 @@
           <a:p>
             <a:fld id="{5E4A63F0-AC00-ED4B-BFF3-9E4584FF0F96}" type="datetimeFigureOut">
               <a:rPr lang="en-CO" smtClean="0"/>
-              <a:t>06/04/2022</a:t>
+              <a:t>06/06/2022</a:t>
             </a:fld>
             <a:endParaRPr lang="en-CO"/>
           </a:p>
@@ -2820,7 +2923,7 @@
           <a:p>
             <a:fld id="{5E4A63F0-AC00-ED4B-BFF3-9E4584FF0F96}" type="datetimeFigureOut">
               <a:rPr lang="en-CO" smtClean="0"/>
-              <a:t>06/04/2022</a:t>
+              <a:t>06/06/2022</a:t>
             </a:fld>
             <a:endParaRPr lang="en-CO"/>
           </a:p>
@@ -2915,7 +3018,7 @@
           <a:p>
             <a:fld id="{5E4A63F0-AC00-ED4B-BFF3-9E4584FF0F96}" type="datetimeFigureOut">
               <a:rPr lang="en-CO" smtClean="0"/>
-              <a:t>06/04/2022</a:t>
+              <a:t>06/06/2022</a:t>
             </a:fld>
             <a:endParaRPr lang="en-CO"/>
           </a:p>
@@ -3192,7 +3295,7 @@
           <a:p>
             <a:fld id="{5E4A63F0-AC00-ED4B-BFF3-9E4584FF0F96}" type="datetimeFigureOut">
               <a:rPr lang="en-CO" smtClean="0"/>
-              <a:t>06/04/2022</a:t>
+              <a:t>06/06/2022</a:t>
             </a:fld>
             <a:endParaRPr lang="en-CO"/>
           </a:p>
@@ -3449,7 +3552,7 @@
           <a:p>
             <a:fld id="{5E4A63F0-AC00-ED4B-BFF3-9E4584FF0F96}" type="datetimeFigureOut">
               <a:rPr lang="en-CO" smtClean="0"/>
-              <a:t>06/04/2022</a:t>
+              <a:t>06/06/2022</a:t>
             </a:fld>
             <a:endParaRPr lang="en-CO"/>
           </a:p>
@@ -3662,7 +3765,7 @@
           <a:p>
             <a:fld id="{5E4A63F0-AC00-ED4B-BFF3-9E4584FF0F96}" type="datetimeFigureOut">
               <a:rPr lang="en-CO" smtClean="0"/>
-              <a:t>06/04/2022</a:t>
+              <a:t>06/06/2022</a:t>
             </a:fld>
             <a:endParaRPr lang="en-CO"/>
           </a:p>
@@ -4580,7 +4683,12 @@
             <p:ph type="title"/>
           </p:nvPr>
         </p:nvSpPr>
-        <p:spPr/>
+        <p:spPr>
+          <a:xfrm>
+            <a:off x="138299" y="39702"/>
+            <a:ext cx="6177639" cy="1055673"/>
+          </a:xfrm>
+        </p:spPr>
         <p:txBody>
           <a:bodyPr/>
           <a:lstStyle/>
@@ -4659,8 +4767,8 @@
         </p:blipFill>
         <p:spPr>
           <a:xfrm>
-            <a:off x="4469680" y="2334633"/>
-            <a:ext cx="7722320" cy="4228473"/>
+            <a:off x="6646137" y="641640"/>
+            <a:ext cx="5407564" cy="3120735"/>
           </a:xfrm>
           <a:prstGeom prst="rect">
             <a:avLst/>
@@ -4681,8 +4789,8 @@
         </p:nvSpPr>
         <p:spPr>
           <a:xfrm>
-            <a:off x="330200" y="1562100"/>
-            <a:ext cx="3975100" cy="4524315"/>
+            <a:off x="207448" y="1000125"/>
+            <a:ext cx="6177639" cy="5693866"/>
           </a:xfrm>
           <a:prstGeom prst="rect">
             <a:avLst/>
@@ -4697,168 +4805,272 @@
           <a:p>
             <a:pPr algn="just"/>
             <a:r>
-              <a:rPr lang="es-CO" dirty="0"/>
+              <a:rPr lang="es-CO" sz="1400" dirty="0"/>
               <a:t>El </a:t>
             </a:r>
             <a:r>
-              <a:rPr lang="es-CO" dirty="0" err="1"/>
+              <a:rPr lang="es-CO" sz="1400" dirty="0" err="1"/>
               <a:t>dataset</a:t>
             </a:r>
             <a:r>
-              <a:rPr lang="es-CO" dirty="0"/>
-              <a:t> usado para el ejercicio de PCA corresponde a datos </a:t>
-            </a:r>
-            <a:r>
-              <a:rPr lang="es-CO" dirty="0" err="1"/>
-              <a:t>antropometricos</a:t>
-            </a:r>
-            <a:r>
-              <a:rPr lang="es-CO" dirty="0"/>
-              <a:t> y de </a:t>
-            </a:r>
-            <a:r>
-              <a:rPr lang="es-CO" dirty="0" err="1"/>
-              <a:t>habitos</a:t>
-            </a:r>
-            <a:r>
-              <a:rPr lang="es-CO" dirty="0"/>
-              <a:t> de personas orientados a la </a:t>
-            </a:r>
-            <a:r>
-              <a:rPr lang="es-CO" dirty="0" err="1"/>
-              <a:t>clsasificacion</a:t>
-            </a:r>
-            <a:r>
-              <a:rPr lang="es-CO" dirty="0"/>
-              <a:t> de sobrepeso.</a:t>
-            </a:r>
+              <a:rPr lang="es-CO" sz="1400" dirty="0"/>
+              <a:t> usado para el ejercicio de PCA corresponde a datos antropométricos y de hábitos de personas orientados a la clasificación de sobrepeso. </a:t>
+            </a:r>
+            <a:r>
+              <a:rPr lang="es-CO" sz="1400" dirty="0">
+                <a:hlinkClick r:id="rId4"/>
+              </a:rPr>
+              <a:t>Link de </a:t>
+            </a:r>
+            <a:r>
+              <a:rPr lang="es-CO" sz="1400" dirty="0" err="1">
+                <a:hlinkClick r:id="rId4"/>
+              </a:rPr>
+              <a:t>dataset</a:t>
+            </a:r>
+            <a:endParaRPr lang="es-CO" sz="1400" dirty="0"/>
           </a:p>
           <a:p>
             <a:pPr algn="just"/>
-            <a:endParaRPr lang="es-CO" dirty="0"/>
+            <a:endParaRPr lang="es-CO" sz="1400" dirty="0"/>
           </a:p>
           <a:p>
             <a:pPr algn="just"/>
             <a:r>
-              <a:rPr lang="es-CO" dirty="0"/>
+              <a:rPr lang="es-CO" sz="1400" dirty="0"/>
               <a:t>El </a:t>
             </a:r>
             <a:r>
-              <a:rPr lang="es-CO" dirty="0" err="1"/>
+              <a:rPr lang="es-CO" sz="1400" dirty="0" err="1"/>
               <a:t>dataset</a:t>
             </a:r>
             <a:r>
-              <a:rPr lang="es-CO" dirty="0"/>
-              <a:t> consta de 15 variables independientes y 1 dependiente.</a:t>
+              <a:rPr lang="es-CO" sz="1400" dirty="0"/>
+              <a:t> consta de 15 variables independientes y 1 dependiente, las cuales no están normalizadas, se aplican técnicas de separación de variables categóricas a dicotómicas, a fin de implementar técnica de componentes principales.</a:t>
             </a:r>
           </a:p>
           <a:p>
             <a:pPr algn="just"/>
-            <a:endParaRPr lang="es-CO" dirty="0"/>
+            <a:endParaRPr lang="es-CO" sz="1400" dirty="0"/>
           </a:p>
           <a:p>
             <a:pPr algn="just"/>
             <a:r>
-              <a:rPr lang="es-CO" dirty="0"/>
-              <a:t>Realice el proceso de </a:t>
-            </a:r>
-            <a:r>
-              <a:rPr lang="es-CO" dirty="0" err="1"/>
-              <a:t>normalizacion</a:t>
-            </a:r>
-            <a:r>
-              <a:rPr lang="es-CO" dirty="0"/>
-              <a:t> y de </a:t>
-            </a:r>
-            <a:r>
-              <a:rPr lang="es-CO" dirty="0" err="1"/>
-              <a:t>separacion</a:t>
-            </a:r>
-            <a:r>
-              <a:rPr lang="es-CO" dirty="0"/>
-              <a:t> de variables </a:t>
-            </a:r>
-            <a:r>
-              <a:rPr lang="es-CO" dirty="0" err="1"/>
-              <a:t>categoricas</a:t>
-            </a:r>
-            <a:r>
-              <a:rPr lang="es-CO" dirty="0"/>
-              <a:t> en </a:t>
-            </a:r>
-            <a:r>
-              <a:rPr lang="es-CO" dirty="0" err="1"/>
-              <a:t>dicotomicas</a:t>
-            </a:r>
-            <a:r>
-              <a:rPr lang="es-CO" dirty="0"/>
-              <a:t>.</a:t>
+              <a:rPr lang="es-CO" sz="1400" dirty="0"/>
+              <a:t>Al implementar PCA se pudo encontrar que en 5 variables se podía concentrar el 65% del </a:t>
+            </a:r>
+            <a:r>
+              <a:rPr lang="es-CO" sz="1400" dirty="0" err="1"/>
+              <a:t>dataset</a:t>
+            </a:r>
+            <a:r>
+              <a:rPr lang="es-CO" sz="1400" dirty="0"/>
+              <a:t>, al usar 10 componentes llegamos al 86.5%.</a:t>
             </a:r>
           </a:p>
           <a:p>
             <a:pPr algn="just"/>
-            <a:endParaRPr lang="es-CO" dirty="0"/>
+            <a:endParaRPr lang="es-CO" sz="1400" dirty="0"/>
           </a:p>
           <a:p>
             <a:pPr algn="just"/>
             <a:r>
-              <a:rPr lang="es-CO" dirty="0"/>
-              <a:t>Al implementar PCA se pudo encontrar que en 5 variables se </a:t>
-            </a:r>
-            <a:r>
-              <a:rPr lang="es-CO" dirty="0" err="1"/>
-              <a:t>podia</a:t>
-            </a:r>
-            <a:r>
-              <a:rPr lang="es-CO" dirty="0"/>
-              <a:t> concentrar el 65% del </a:t>
-            </a:r>
-            <a:r>
-              <a:rPr lang="es-CO" dirty="0" err="1"/>
-              <a:t>dataset</a:t>
-            </a:r>
-            <a:r>
-              <a:rPr lang="es-CO" dirty="0"/>
-              <a:t>, al usar 10 componentes llegamos al 86.5%</a:t>
-            </a:r>
-          </a:p>
-        </p:txBody>
-      </p:sp>
-      <p:sp>
-        <p:nvSpPr>
-          <p:cNvPr id="8" name="CuadroTexto 7">
+              <a:rPr lang="es-CO" sz="1400" dirty="0"/>
+              <a:t>Distribución de variables con mayor importancia sobre los componentes (&gt;=0.25 o &lt;=-0.25):</a:t>
+            </a:r>
+          </a:p>
+          <a:p>
+            <a:pPr marL="171450" indent="-171450" algn="just">
+              <a:buFont typeface="Arial" panose="020B0604020202020204" pitchFamily="34" charset="0"/>
+              <a:buChar char="•"/>
+            </a:pPr>
+            <a:r>
+              <a:rPr lang="es-CO" sz="700" dirty="0"/>
+              <a:t>PC01:consumo_alcohol__Sometimes,consumo_alcohol__no</a:t>
+            </a:r>
+          </a:p>
+          <a:p>
+            <a:pPr marL="171450" indent="-171450" algn="just">
+              <a:buFont typeface="Arial" panose="020B0604020202020204" pitchFamily="34" charset="0"/>
+              <a:buChar char="•"/>
+            </a:pPr>
+            <a:r>
+              <a:rPr lang="es-CO" sz="700" dirty="0"/>
+              <a:t>PC02:alimentos_entre_comidas__Frequently,alimentos_entre_comidas__Sometimes,historia_fam,medio_de_transporte__Public_Transportation,sexo</a:t>
+            </a:r>
+          </a:p>
+          <a:p>
+            <a:pPr marL="171450" indent="-171450" algn="just">
+              <a:buFont typeface="Arial" panose="020B0604020202020204" pitchFamily="34" charset="0"/>
+              <a:buChar char="•"/>
+            </a:pPr>
+            <a:r>
+              <a:rPr lang="es-CO" sz="700" dirty="0"/>
+              <a:t>PC03:alimentos_entre_comidas__Frequently,alimentos_entre_comidas__Sometimes,historia_fam,sexo</a:t>
+            </a:r>
+          </a:p>
+          <a:p>
+            <a:pPr marL="171450" indent="-171450" algn="just">
+              <a:buFont typeface="Arial" panose="020B0604020202020204" pitchFamily="34" charset="0"/>
+              <a:buChar char="•"/>
+            </a:pPr>
+            <a:r>
+              <a:rPr lang="es-CO" sz="700" dirty="0"/>
+              <a:t>PC04:medio_de_transporte__Public_Transportation,sexo</a:t>
+            </a:r>
+          </a:p>
+          <a:p>
+            <a:pPr marL="171450" indent="-171450" algn="just">
+              <a:buFont typeface="Arial" panose="020B0604020202020204" pitchFamily="34" charset="0"/>
+              <a:buChar char="•"/>
+            </a:pPr>
+            <a:r>
+              <a:rPr lang="es-CO" sz="700" dirty="0"/>
+              <a:t>PC05:alimentos_entre_comidas__Frequently,alimentos_entre_comidas__Sometimes,historia_fam</a:t>
+            </a:r>
+          </a:p>
+          <a:p>
+            <a:pPr marL="171450" indent="-171450" algn="just">
+              <a:buFont typeface="Arial" panose="020B0604020202020204" pitchFamily="34" charset="0"/>
+              <a:buChar char="•"/>
+            </a:pPr>
+            <a:r>
+              <a:rPr lang="es-CO" sz="700" dirty="0"/>
+              <a:t>PC06:actividad_fisica,consumo_alto_calorias,consumo_de_agua</a:t>
+            </a:r>
+          </a:p>
+          <a:p>
+            <a:pPr marL="171450" indent="-171450" algn="just">
+              <a:buFont typeface="Arial" panose="020B0604020202020204" pitchFamily="34" charset="0"/>
+              <a:buChar char="•"/>
+            </a:pPr>
+            <a:r>
+              <a:rPr lang="es-CO" sz="700" dirty="0"/>
+              <a:t>PC07:uso_de_tecnologia</a:t>
+            </a:r>
+          </a:p>
+          <a:p>
+            <a:pPr marL="171450" indent="-171450" algn="just">
+              <a:buFont typeface="Arial" panose="020B0604020202020204" pitchFamily="34" charset="0"/>
+              <a:buChar char="•"/>
+            </a:pPr>
+            <a:r>
+              <a:rPr lang="es-CO" sz="700" dirty="0"/>
+              <a:t>PC08:consumo_alto_calorias,consumo_de_agua,historia_fam</a:t>
+            </a:r>
+          </a:p>
+          <a:p>
+            <a:pPr marL="171450" indent="-171450" algn="just">
+              <a:buFont typeface="Arial" panose="020B0604020202020204" pitchFamily="34" charset="0"/>
+              <a:buChar char="•"/>
+            </a:pPr>
+            <a:r>
+              <a:rPr lang="es-CO" sz="700" dirty="0"/>
+              <a:t>PC09:actividad_fisica,consumo_de_agua,consumo_vegetales,numero_de_comidas</a:t>
+            </a:r>
+          </a:p>
+          <a:p>
+            <a:pPr marL="171450" indent="-171450" algn="just">
+              <a:buFont typeface="Arial" panose="020B0604020202020204" pitchFamily="34" charset="0"/>
+              <a:buChar char="•"/>
+            </a:pPr>
+            <a:r>
+              <a:rPr lang="es-CO" sz="700" dirty="0"/>
+              <a:t>PC10:consumo_vegetales,numero_de_comidas</a:t>
+            </a:r>
+          </a:p>
+          <a:p>
+            <a:pPr algn="just"/>
+            <a:endParaRPr lang="es-CO" sz="1400" dirty="0"/>
+          </a:p>
+          <a:p>
+            <a:pPr algn="just"/>
+            <a:r>
+              <a:rPr lang="es-CO" sz="1400" dirty="0"/>
+              <a:t>A continuación muestro dos graficas:</a:t>
+            </a:r>
+          </a:p>
+          <a:p>
+            <a:pPr algn="just"/>
+            <a:r>
+              <a:rPr lang="es-CO" sz="1400" dirty="0"/>
+              <a:t>1. un </a:t>
+            </a:r>
+            <a:r>
+              <a:rPr lang="es-CO" sz="1400" dirty="0" err="1"/>
+              <a:t>heatmap</a:t>
+            </a:r>
+            <a:r>
+              <a:rPr lang="es-CO" sz="1400" dirty="0"/>
+              <a:t> que nos muestra las variables que mas impactan sobre cada uno de los componentes .</a:t>
+            </a:r>
+          </a:p>
+          <a:p>
+            <a:pPr algn="just"/>
+            <a:r>
+              <a:rPr lang="es-CO" sz="1400" dirty="0"/>
+              <a:t>2. </a:t>
+            </a:r>
+            <a:r>
+              <a:rPr lang="es-CO" sz="1400" dirty="0" err="1"/>
+              <a:t>Scatterplot</a:t>
+            </a:r>
+            <a:r>
+              <a:rPr lang="es-CO" sz="1400" dirty="0"/>
+              <a:t> de los componentes que tienen mayor concentración (PC01, PC02) y los </a:t>
+            </a:r>
+            <a:r>
+              <a:rPr lang="es-CO" sz="1400" dirty="0" err="1"/>
+              <a:t>cluster</a:t>
+            </a:r>
+            <a:r>
+              <a:rPr lang="es-CO" sz="1400" dirty="0"/>
+              <a:t> según los datos originales.</a:t>
+            </a:r>
+          </a:p>
+          <a:p>
+            <a:pPr algn="just"/>
+            <a:endParaRPr lang="es-CO" sz="1400" dirty="0"/>
+          </a:p>
+          <a:p>
+            <a:pPr algn="just"/>
+            <a:r>
+              <a:rPr lang="es-CO" sz="1400" dirty="0"/>
+              <a:t>Los resultados no son concluyentes ya que los gráficos con las dos componentes no separan los datos</a:t>
+            </a:r>
+          </a:p>
+        </p:txBody>
+      </p:sp>
+      <p:pic>
+        <p:nvPicPr>
+          <p:cNvPr id="7" name="Imagen 6">
             <a:extLst>
               <a:ext uri="{FF2B5EF4-FFF2-40B4-BE49-F238E27FC236}">
-                <a16:creationId xmlns:a16="http://schemas.microsoft.com/office/drawing/2014/main" id="{98194EB5-4CC2-134E-A928-463B8004629B}"/>
+                <a16:creationId xmlns:a16="http://schemas.microsoft.com/office/drawing/2014/main" id="{6595E541-0EA3-6C57-DF3C-0E6E3649A549}"/>
               </a:ext>
             </a:extLst>
           </p:cNvPr>
-          <p:cNvSpPr txBox="1"/>
+          <p:cNvPicPr>
+            <a:picLocks noChangeAspect="1"/>
+          </p:cNvPicPr>
           <p:nvPr/>
-        </p:nvSpPr>
+        </p:nvPicPr>
+        <p:blipFill>
+          <a:blip r:embed="rId5"/>
+          <a:stretch>
+            <a:fillRect/>
+          </a:stretch>
+        </p:blipFill>
         <p:spPr>
           <a:xfrm>
-            <a:off x="4469680" y="1562100"/>
-            <a:ext cx="7531820" cy="369332"/>
+            <a:off x="6670319" y="4010010"/>
+            <a:ext cx="5421066" cy="2763092"/>
           </a:xfrm>
           <a:prstGeom prst="rect">
             <a:avLst/>
           </a:prstGeom>
-          <a:noFill/>
         </p:spPr>
-        <p:txBody>
-          <a:bodyPr wrap="square" rtlCol="0">
-            <a:spAutoFit/>
-          </a:bodyPr>
-          <a:lstStyle/>
-          <a:p>
-            <a:r>
-              <a:rPr lang="es-CO" dirty="0"/>
-              <a:t>Relación de variables y el impacto sobre cada componente generado.</a:t>
-            </a:r>
-          </a:p>
-        </p:txBody>
-      </p:sp>
+      </p:pic>
     </p:spTree>
     <p:extLst>
       <p:ext uri="{BB962C8B-B14F-4D97-AF65-F5344CB8AC3E}">
@@ -4902,28 +5114,86 @@
       </p:grpSpPr>
       <p:sp>
         <p:nvSpPr>
-          <p:cNvPr id="6" name="Título 5">
+          <p:cNvPr id="10" name="CuadroTexto 9">
             <a:extLst>
               <a:ext uri="{FF2B5EF4-FFF2-40B4-BE49-F238E27FC236}">
-                <a16:creationId xmlns:a16="http://schemas.microsoft.com/office/drawing/2014/main" id="{CD3435CB-4537-4F1F-A11E-27DE31650A8C}"/>
+                <a16:creationId xmlns:a16="http://schemas.microsoft.com/office/drawing/2014/main" id="{435643C2-0E51-38DF-F2BF-ADEC4A246F1C}"/>
               </a:ext>
             </a:extLst>
           </p:cNvPr>
-          <p:cNvSpPr>
-            <a:spLocks noGrp="1"/>
-          </p:cNvSpPr>
-          <p:nvPr>
-            <p:ph type="title"/>
-          </p:nvPr>
-        </p:nvSpPr>
-        <p:spPr/>
-        <p:txBody>
-          <a:bodyPr/>
+          <p:cNvSpPr txBox="1"/>
+          <p:nvPr/>
+        </p:nvSpPr>
+        <p:spPr>
+          <a:xfrm>
+            <a:off x="585927" y="297719"/>
+            <a:ext cx="10404626" cy="6005313"/>
+          </a:xfrm>
+          <a:prstGeom prst="rect">
+            <a:avLst/>
+          </a:prstGeom>
+          <a:noFill/>
+        </p:spPr>
+        <p:txBody>
+          <a:bodyPr wrap="square" numCol="2" rtlCol="0">
+            <a:spAutoFit/>
+          </a:bodyPr>
           <a:lstStyle/>
           <a:p>
-            <a:r>
-              <a:rPr lang="es-CO" b="1" dirty="0"/>
-              <a:t>Implementación de PCA</a:t>
+            <a:pPr algn="just"/>
+            <a:r>
+              <a:rPr lang="es-CO" dirty="0"/>
+              <a:t>A fin de validar los resultados obtenidos con los PCA, si implementaron modelos de regresión Lineal(OLS), realizando diferentes combinaciones de variables además de implementación con los PCA.</a:t>
+            </a:r>
+          </a:p>
+          <a:p>
+            <a:endParaRPr lang="es-CO" dirty="0"/>
+          </a:p>
+          <a:p>
+            <a:r>
+              <a:rPr lang="es-CO" dirty="0"/>
+              <a:t>El mejor modelo tomando solamente las variables con un P&lt;|t| &lt;= 0.05, el resultado es el siguiente:</a:t>
+            </a:r>
+          </a:p>
+          <a:p>
+            <a:endParaRPr lang="es-CO" dirty="0"/>
+          </a:p>
+          <a:p>
+            <a:endParaRPr lang="es-CO" dirty="0"/>
+          </a:p>
+          <a:p>
+            <a:endParaRPr lang="es-CO" dirty="0"/>
+          </a:p>
+          <a:p>
+            <a:endParaRPr lang="es-CO" dirty="0"/>
+          </a:p>
+          <a:p>
+            <a:endParaRPr lang="es-CO" dirty="0"/>
+          </a:p>
+          <a:p>
+            <a:endParaRPr lang="es-CO" dirty="0"/>
+          </a:p>
+          <a:p>
+            <a:endParaRPr lang="es-CO" dirty="0"/>
+          </a:p>
+          <a:p>
+            <a:endParaRPr lang="es-CO" dirty="0"/>
+          </a:p>
+          <a:p>
+            <a:endParaRPr lang="es-CO" dirty="0"/>
+          </a:p>
+          <a:p>
+            <a:pPr algn="just"/>
+            <a:r>
+              <a:rPr lang="es-CO" dirty="0"/>
+              <a:t>Este tiene un R2 de 87,7%, al implementar el modelo con los componentes PCA, el R2 es del 40% aproximadamente, los que nos da indicios de que los componentes no son adecuados para el problema planteado.</a:t>
+            </a:r>
+          </a:p>
+          <a:p>
+            <a:pPr marL="177800"/>
+            <a:r>
+              <a:rPr lang="es-CO" dirty="0"/>
+              <a:t>Con la siguiente grafica deberíamos poder indicar que las variables influyen y hacen separación de los datos, pero visualmente no es consistente.</a:t>
             </a:r>
           </a:p>
         </p:txBody>
@@ -4995,8 +5265,8 @@
         </p:blipFill>
         <p:spPr>
           <a:xfrm>
-            <a:off x="0" y="1952539"/>
-            <a:ext cx="5864384" cy="4831191"/>
+            <a:off x="5989468" y="1415004"/>
+            <a:ext cx="6052053" cy="4985796"/>
           </a:xfrm>
           <a:prstGeom prst="rect">
             <a:avLst/>
@@ -5025,86 +5295,14 @@
         </p:blipFill>
         <p:spPr>
           <a:xfrm>
-            <a:off x="5864384" y="3016251"/>
-            <a:ext cx="6313441" cy="3125620"/>
+            <a:off x="763140" y="2237138"/>
+            <a:ext cx="4814883" cy="2383723"/>
           </a:xfrm>
           <a:prstGeom prst="rect">
             <a:avLst/>
           </a:prstGeom>
         </p:spPr>
       </p:pic>
-      <p:sp>
-        <p:nvSpPr>
-          <p:cNvPr id="10" name="CuadroTexto 9">
-            <a:extLst>
-              <a:ext uri="{FF2B5EF4-FFF2-40B4-BE49-F238E27FC236}">
-                <a16:creationId xmlns:a16="http://schemas.microsoft.com/office/drawing/2014/main" id="{435643C2-0E51-38DF-F2BF-ADEC4A246F1C}"/>
-              </a:ext>
-            </a:extLst>
-          </p:cNvPr>
-          <p:cNvSpPr txBox="1"/>
-          <p:nvPr/>
-        </p:nvSpPr>
-        <p:spPr>
-          <a:xfrm>
-            <a:off x="6702584" y="1690688"/>
-            <a:ext cx="4113198" cy="923330"/>
-          </a:xfrm>
-          <a:prstGeom prst="rect">
-            <a:avLst/>
-          </a:prstGeom>
-          <a:noFill/>
-        </p:spPr>
-        <p:txBody>
-          <a:bodyPr wrap="square" rtlCol="0">
-            <a:spAutoFit/>
-          </a:bodyPr>
-          <a:lstStyle/>
-          <a:p>
-            <a:r>
-              <a:rPr lang="en-US" dirty="0" err="1"/>
-              <a:t>Estas</a:t>
-            </a:r>
-            <a:r>
-              <a:rPr lang="en-US" dirty="0"/>
-              <a:t> son las variables que dan </a:t>
-            </a:r>
-            <a:r>
-              <a:rPr lang="en-US" dirty="0" err="1"/>
-              <a:t>mejores</a:t>
-            </a:r>
-            <a:r>
-              <a:rPr lang="en-US" dirty="0"/>
-              <a:t> </a:t>
-            </a:r>
-            <a:r>
-              <a:rPr lang="en-US" dirty="0" err="1"/>
-              <a:t>resultados</a:t>
-            </a:r>
-            <a:r>
-              <a:rPr lang="en-US" dirty="0"/>
-              <a:t> al </a:t>
-            </a:r>
-            <a:r>
-              <a:rPr lang="en-US" dirty="0" err="1"/>
-              <a:t>implementar</a:t>
-            </a:r>
-            <a:r>
-              <a:rPr lang="en-US" dirty="0"/>
-              <a:t> regression OLS y </a:t>
-            </a:r>
-            <a:r>
-              <a:rPr lang="en-US" dirty="0" err="1"/>
-              <a:t>validarlo</a:t>
-            </a:r>
-            <a:r>
-              <a:rPr lang="en-US" dirty="0"/>
-              <a:t> con PCA</a:t>
-            </a:r>
-            <a:endParaRPr lang="es-MX" dirty="0"/>
-          </a:p>
-        </p:txBody>
-      </p:sp>
     </p:spTree>
     <p:extLst>
       <p:ext uri="{BB962C8B-B14F-4D97-AF65-F5344CB8AC3E}">
